--- a/lab9-docker-volumes/DockerVolumeContainer.pptx
+++ b/lab9-docker-volumes/DockerVolumeContainer.pptx
@@ -5,10 +5,10 @@
     <p:sldMasterId id="2147483672" r:id="rId4"/>
   </p:sldMasterIdLst>
   <p:notesMasterIdLst>
-    <p:notesMasterId r:id="rId23"/>
+    <p:notesMasterId r:id="rId24"/>
   </p:notesMasterIdLst>
   <p:handoutMasterIdLst>
-    <p:handoutMasterId r:id="rId24"/>
+    <p:handoutMasterId r:id="rId25"/>
   </p:handoutMasterIdLst>
   <p:sldIdLst>
     <p:sldId id="282" r:id="rId5"/>
@@ -29,6 +29,7 @@
     <p:sldId id="342" r:id="rId20"/>
     <p:sldId id="344" r:id="rId21"/>
     <p:sldId id="347" r:id="rId22"/>
+    <p:sldId id="348" r:id="rId23"/>
   </p:sldIdLst>
   <p:sldSz cx="9144000" cy="5143500" type="screen16x9"/>
   <p:notesSz cx="6858000" cy="9144000"/>
@@ -129,7 +130,7 @@
   </p:defaultTextStyle>
   <p:extLst>
     <p:ext uri="{EFAFB233-063F-42B5-8137-9DF3F51BA10A}">
-      <p15:sldGuideLst xmlns="" xmlns:p15="http://schemas.microsoft.com/office/powerpoint/2012/main"/>
+      <p15:sldGuideLst xmlns:p15="http://schemas.microsoft.com/office/powerpoint/2012/main" xmlns=""/>
     </p:ext>
   </p:extLst>
 </p:presentation>
@@ -162,7 +163,7 @@
           <p:cNvPr id="2" name="Header Placeholder 1">
             <a:extLst>
               <a:ext uri="{FF2B5EF4-FFF2-40B4-BE49-F238E27FC236}">
-                <a16:creationId xmlns="" xmlns:a16="http://schemas.microsoft.com/office/drawing/2014/main" id="{CE5E9943-027F-477F-8628-1C055E9961E7}"/>
+                <a16:creationId xmlns:a16="http://schemas.microsoft.com/office/drawing/2014/main" xmlns="" id="{CE5E9943-027F-477F-8628-1C055E9961E7}"/>
               </a:ext>
             </a:extLst>
           </p:cNvPr>
@@ -199,7 +200,7 @@
           <p:cNvPr id="3" name="Date Placeholder 2">
             <a:extLst>
               <a:ext uri="{FF2B5EF4-FFF2-40B4-BE49-F238E27FC236}">
-                <a16:creationId xmlns="" xmlns:a16="http://schemas.microsoft.com/office/drawing/2014/main" id="{C3B9B814-A030-4E99-A1E6-484BBBA0102D}"/>
+                <a16:creationId xmlns:a16="http://schemas.microsoft.com/office/drawing/2014/main" xmlns="" id="{C3B9B814-A030-4E99-A1E6-484BBBA0102D}"/>
               </a:ext>
             </a:extLst>
           </p:cNvPr>
@@ -229,7 +230,7 @@
           <a:p>
             <a:fld id="{CC3E98DD-6812-454C-AE65-FC853C04DD9F}" type="datetimeFigureOut">
               <a:rPr lang="x-none" smtClean="0"/>
-              <a:t>6-1-2019</a:t>
+              <a:t>25-1-2019</a:t>
             </a:fld>
             <a:endParaRPr lang="x-none"/>
           </a:p>
@@ -240,7 +241,7 @@
           <p:cNvPr id="4" name="Footer Placeholder 3">
             <a:extLst>
               <a:ext uri="{FF2B5EF4-FFF2-40B4-BE49-F238E27FC236}">
-                <a16:creationId xmlns="" xmlns:a16="http://schemas.microsoft.com/office/drawing/2014/main" id="{BA51CB0D-9077-4281-8ED1-3DC5B3039140}"/>
+                <a16:creationId xmlns:a16="http://schemas.microsoft.com/office/drawing/2014/main" xmlns="" id="{BA51CB0D-9077-4281-8ED1-3DC5B3039140}"/>
               </a:ext>
             </a:extLst>
           </p:cNvPr>
@@ -281,7 +282,7 @@
           <p:cNvPr id="5" name="Slide Number Placeholder 4">
             <a:extLst>
               <a:ext uri="{FF2B5EF4-FFF2-40B4-BE49-F238E27FC236}">
-                <a16:creationId xmlns="" xmlns:a16="http://schemas.microsoft.com/office/drawing/2014/main" id="{EE768FA1-1EC6-4227-9CA4-DF466CAA1845}"/>
+                <a16:creationId xmlns:a16="http://schemas.microsoft.com/office/drawing/2014/main" xmlns="" id="{EE768FA1-1EC6-4227-9CA4-DF466CAA1845}"/>
               </a:ext>
             </a:extLst>
           </p:cNvPr>
@@ -411,7 +412,7 @@
           <a:p>
             <a:fld id="{DDF2FCE7-7AFA-9242-BECB-A61CE0BE95A1}" type="datetimeFigureOut">
               <a:rPr lang="nl-NL" smtClean="0"/>
-              <a:t>6-1-2019</a:t>
+              <a:t>25-1-2019</a:t>
             </a:fld>
             <a:endParaRPr lang="nl-NL"/>
           </a:p>
@@ -6007,11 +6008,7 @@
           <a:p>
             <a:r>
               <a:rPr lang="nl-NL" dirty="0" smtClean="0"/>
-              <a:t>Docker </a:t>
-            </a:r>
-            <a:r>
-              <a:rPr lang="nl-NL" dirty="0" smtClean="0"/>
-              <a:t>data </a:t>
+              <a:t>Docker data </a:t>
             </a:r>
             <a:r>
               <a:rPr lang="nl-NL" dirty="0" err="1" smtClean="0"/>
@@ -9402,6 +9399,123 @@
 </p:sld>
 </file>
 
+<file path=ppt/slides/slide19.xml><?xml version="1.0" encoding="utf-8"?>
+<p:sld xmlns:a="http://schemas.openxmlformats.org/drawingml/2006/main" xmlns:r="http://schemas.openxmlformats.org/officeDocument/2006/relationships" xmlns:p="http://schemas.openxmlformats.org/presentationml/2006/main">
+  <p:cSld>
+    <p:spTree>
+      <p:nvGrpSpPr>
+        <p:cNvPr id="1" name=""/>
+        <p:cNvGrpSpPr/>
+        <p:nvPr/>
+      </p:nvGrpSpPr>
+      <p:grpSpPr>
+        <a:xfrm>
+          <a:off x="0" y="0"/>
+          <a:ext cx="0" cy="0"/>
+          <a:chOff x="0" y="0"/>
+          <a:chExt cx="0" cy="0"/>
+        </a:xfrm>
+      </p:grpSpPr>
+      <p:sp>
+        <p:nvSpPr>
+          <p:cNvPr id="2" name="Titel 1"/>
+          <p:cNvSpPr>
+            <a:spLocks noGrp="1"/>
+          </p:cNvSpPr>
+          <p:nvPr>
+            <p:ph type="title"/>
+          </p:nvPr>
+        </p:nvSpPr>
+        <p:spPr/>
+        <p:txBody>
+          <a:bodyPr/>
+          <a:lstStyle/>
+          <a:p>
+            <a:r>
+              <a:rPr lang="nl-NL" dirty="0" err="1" smtClean="0"/>
+              <a:t>Github</a:t>
+            </a:r>
+            <a:r>
+              <a:rPr lang="nl-NL" dirty="0" smtClean="0"/>
+              <a:t> lab 9</a:t>
+            </a:r>
+            <a:endParaRPr lang="nl-NL" dirty="0"/>
+          </a:p>
+        </p:txBody>
+      </p:sp>
+      <p:sp>
+        <p:nvSpPr>
+          <p:cNvPr id="3" name="Tijdelijke aanduiding voor inhoud 2"/>
+          <p:cNvSpPr>
+            <a:spLocks noGrp="1"/>
+          </p:cNvSpPr>
+          <p:nvPr>
+            <p:ph idx="1"/>
+          </p:nvPr>
+        </p:nvSpPr>
+        <p:spPr/>
+        <p:txBody>
+          <a:bodyPr/>
+          <a:lstStyle/>
+          <a:p>
+            <a:r>
+              <a:rPr lang="nl-NL" dirty="0">
+                <a:hlinkClick r:id="rId2"/>
+              </a:rPr>
+              <a:t>https://</a:t>
+            </a:r>
+            <a:r>
+              <a:rPr lang="nl-NL" dirty="0" smtClean="0">
+                <a:hlinkClick r:id="rId2"/>
+              </a:rPr>
+              <a:t>github.com/AMIS-Services/sig-springboot-1/tree/master/lab9-docker-volumes</a:t>
+            </a:r>
+            <a:endParaRPr lang="nl-NL" dirty="0" smtClean="0"/>
+          </a:p>
+          <a:p>
+            <a:pPr marL="0" indent="0">
+              <a:buNone/>
+            </a:pPr>
+            <a:endParaRPr lang="nl-NL" dirty="0"/>
+          </a:p>
+        </p:txBody>
+      </p:sp>
+      <p:sp>
+        <p:nvSpPr>
+          <p:cNvPr id="4" name="Tijdelijke aanduiding voor voettekst 3"/>
+          <p:cNvSpPr>
+            <a:spLocks noGrp="1"/>
+          </p:cNvSpPr>
+          <p:nvPr>
+            <p:ph type="ftr" sz="quarter" idx="11"/>
+          </p:nvPr>
+        </p:nvSpPr>
+        <p:spPr/>
+        <p:txBody>
+          <a:bodyPr/>
+          <a:lstStyle/>
+          <a:p>
+            <a:r>
+              <a:rPr lang="nl-NL" smtClean="0"/>
+              <a:t>Docker data persistency</a:t>
+            </a:r>
+            <a:endParaRPr lang="nl-NL"/>
+          </a:p>
+        </p:txBody>
+      </p:sp>
+    </p:spTree>
+    <p:extLst>
+      <p:ext uri="{BB962C8B-B14F-4D97-AF65-F5344CB8AC3E}">
+        <p14:creationId xmlns:p14="http://schemas.microsoft.com/office/powerpoint/2010/main" val="2716751488"/>
+      </p:ext>
+    </p:extLst>
+  </p:cSld>
+  <p:clrMapOvr>
+    <a:masterClrMapping/>
+  </p:clrMapOvr>
+</p:sld>
+</file>
+
 <file path=ppt/slides/slide2.xml><?xml version="1.0" encoding="utf-8"?>
 <p:sld xmlns:a="http://schemas.openxmlformats.org/drawingml/2006/main" xmlns:r="http://schemas.openxmlformats.org/officeDocument/2006/relationships" xmlns:p="http://schemas.openxmlformats.org/presentationml/2006/main">
   <p:cSld>
@@ -10839,18 +10953,7 @@
                   </a:schemeClr>
                 </a:solidFill>
               </a:rPr>
-              <a:t> </a:t>
-            </a:r>
-            <a:r>
-              <a:rPr lang="en-US" dirty="0" smtClean="0">
-                <a:solidFill>
-                  <a:schemeClr val="tx1">
-                    <a:lumMod val="65000"/>
-                    <a:lumOff val="35000"/>
-                  </a:schemeClr>
-                </a:solidFill>
-              </a:rPr>
-              <a:t>-</a:t>
+              <a:t> -</a:t>
             </a:r>
             <a:r>
               <a:rPr lang="en-US" dirty="0">
@@ -11782,7 +11885,7 @@
   <a:extraClrSchemeLst/>
   <a:extLst>
     <a:ext uri="{05A4C25C-085E-4340-85A3-A5531E510DB2}">
-      <thm15:themeFamily xmlns="" xmlns:thm15="http://schemas.microsoft.com/office/thememl/2012/main" name="Amis_presentatie_v1" id="{AF9A2038-56EF-1448-BC8A-E6B1BBA70741}" vid="{7B36D259-0CD2-0844-A47A-FD3E3D794B9B}"/>
+      <thm15:themeFamily xmlns:thm15="http://schemas.microsoft.com/office/thememl/2012/main" xmlns="" name="Amis_presentatie_v1" id="{AF9A2038-56EF-1448-BC8A-E6B1BBA70741}" vid="{7B36D259-0CD2-0844-A47A-FD3E3D794B9B}"/>
     </a:ext>
   </a:extLst>
 </a:theme>
@@ -12043,7 +12146,7 @@
   <a:extraClrSchemeLst/>
   <a:extLst>
     <a:ext uri="{05A4C25C-085E-4340-85A3-A5531E510DB2}">
-      <thm15:themeFamily xmlns="" xmlns:thm15="http://schemas.microsoft.com/office/thememl/2012/main" name="Office Theme" id="{62F939B6-93AF-4DB8-9C6B-D6C7DFDC589F}" vid="{4A3C46E8-61CC-4603-A589-7422A47A8E4A}"/>
+      <thm15:themeFamily xmlns:thm15="http://schemas.microsoft.com/office/thememl/2012/main" xmlns="" name="Office Theme" id="{62F939B6-93AF-4DB8-9C6B-D6C7DFDC589F}" vid="{4A3C46E8-61CC-4603-A589-7422A47A8E4A}"/>
     </a:ext>
   </a:extLst>
 </a:theme>
@@ -12338,28 +12441,13 @@
   <a:extraClrSchemeLst/>
   <a:extLst>
     <a:ext uri="{05A4C25C-085E-4340-85A3-A5531E510DB2}">
-      <thm15:themeFamily xmlns="" xmlns:thm15="http://schemas.microsoft.com/office/thememl/2012/main" name="Office Theme" id="{62F939B6-93AF-4DB8-9C6B-D6C7DFDC589F}" vid="{4A3C46E8-61CC-4603-A589-7422A47A8E4A}"/>
+      <thm15:themeFamily xmlns:thm15="http://schemas.microsoft.com/office/thememl/2012/main" xmlns="" name="Office Theme" id="{62F939B6-93AF-4DB8-9C6B-D6C7DFDC589F}" vid="{4A3C46E8-61CC-4603-A589-7422A47A8E4A}"/>
     </a:ext>
   </a:extLst>
 </a:theme>
 </file>
 
 <file path=customXml/item1.xml><?xml version="1.0" encoding="utf-8"?>
-<p:properties xmlns:p="http://schemas.microsoft.com/office/2006/metadata/properties" xmlns:xsi="http://www.w3.org/2001/XMLSchema-instance" xmlns:pc="http://schemas.microsoft.com/office/infopath/2007/PartnerControls">
-  <documentManagement/>
-</p:properties>
-</file>
-
-<file path=customXml/item2.xml><?xml version="1.0" encoding="utf-8"?>
-<?mso-contentType ?>
-<FormTemplates xmlns="http://schemas.microsoft.com/sharepoint/v3/contenttype/forms">
-  <Display>DocumentLibraryForm</Display>
-  <Edit>DocumentLibraryForm</Edit>
-  <New>DocumentLibraryForm</New>
-</FormTemplates>
-</file>
-
-<file path=customXml/item3.xml><?xml version="1.0" encoding="utf-8"?>
 <ct:contentTypeSchema xmlns:ct="http://schemas.microsoft.com/office/2006/metadata/contentType" xmlns:ma="http://schemas.microsoft.com/office/2006/metadata/properties/metaAttributes" ct:_="" ma:_="" ma:contentTypeName="Document" ma:contentTypeID="0x010100E60B9E64A7B90B499F767EB2F0BD9B16" ma:contentTypeVersion="4" ma:contentTypeDescription="Een nieuw document maken." ma:contentTypeScope="" ma:versionID="890a625500243192203a5f75e70e3187">
   <xsd:schema xmlns:xsd="http://www.w3.org/2001/XMLSchema" xmlns:xs="http://www.w3.org/2001/XMLSchema" xmlns:p="http://schemas.microsoft.com/office/2006/metadata/properties" xmlns:ns2="bd3a200e-a112-4432-b134-79c9e3991b87" targetNamespace="http://schemas.microsoft.com/office/2006/metadata/properties" ma:root="true" ma:fieldsID="19c006e645b1596e83fa8f4c2bdffb76" ns2:_="">
     <xsd:import namespace="bd3a200e-a112-4432-b134-79c9e3991b87"/>
@@ -12503,31 +12591,22 @@
 </ct:contentTypeSchema>
 </file>
 
-<file path=customXml/itemProps1.xml><?xml version="1.0" encoding="utf-8"?>
-<ds:datastoreItem xmlns:ds="http://schemas.openxmlformats.org/officeDocument/2006/customXml" ds:itemID="{368386BB-D1FC-40A2-87C8-E729A7252F21}">
-  <ds:schemaRefs>
-    <ds:schemaRef ds:uri="http://purl.org/dc/elements/1.1/"/>
-    <ds:schemaRef ds:uri="http://purl.org/dc/terms/"/>
-    <ds:schemaRef ds:uri="bd3a200e-a112-4432-b134-79c9e3991b87"/>
-    <ds:schemaRef ds:uri="http://purl.org/dc/dcmitype/"/>
-    <ds:schemaRef ds:uri="http://schemas.openxmlformats.org/package/2006/metadata/core-properties"/>
-    <ds:schemaRef ds:uri="http://schemas.microsoft.com/office/2006/documentManagement/types"/>
-    <ds:schemaRef ds:uri="http://schemas.microsoft.com/office/2006/metadata/properties"/>
-    <ds:schemaRef ds:uri="http://schemas.microsoft.com/office/infopath/2007/PartnerControls"/>
-    <ds:schemaRef ds:uri="http://www.w3.org/XML/1998/namespace"/>
-  </ds:schemaRefs>
-</ds:datastoreItem>
+<file path=customXml/item2.xml><?xml version="1.0" encoding="utf-8"?>
+<?mso-contentType ?>
+<FormTemplates xmlns="http://schemas.microsoft.com/sharepoint/v3/contenttype/forms">
+  <Display>DocumentLibraryForm</Display>
+  <Edit>DocumentLibraryForm</Edit>
+  <New>DocumentLibraryForm</New>
+</FormTemplates>
 </file>
 
-<file path=customXml/itemProps2.xml><?xml version="1.0" encoding="utf-8"?>
-<ds:datastoreItem xmlns:ds="http://schemas.openxmlformats.org/officeDocument/2006/customXml" ds:itemID="{87F52C54-E7F0-4533-A258-2B00DF9E8BD3}">
-  <ds:schemaRefs>
-    <ds:schemaRef ds:uri="http://schemas.microsoft.com/sharepoint/v3/contenttype/forms"/>
-  </ds:schemaRefs>
-</ds:datastoreItem>
+<file path=customXml/item3.xml><?xml version="1.0" encoding="utf-8"?>
+<p:properties xmlns:p="http://schemas.microsoft.com/office/2006/metadata/properties" xmlns:xsi="http://www.w3.org/2001/XMLSchema-instance" xmlns:pc="http://schemas.microsoft.com/office/infopath/2007/PartnerControls">
+  <documentManagement/>
+</p:properties>
 </file>
 
-<file path=customXml/itemProps3.xml><?xml version="1.0" encoding="utf-8"?>
+<file path=customXml/itemProps1.xml><?xml version="1.0" encoding="utf-8"?>
 <ds:datastoreItem xmlns:ds="http://schemas.openxmlformats.org/officeDocument/2006/customXml" ds:itemID="{5E0BD5BC-1318-4595-A8BB-C1045EDC5470}">
   <ds:schemaRefs>
     <ds:schemaRef ds:uri="http://schemas.microsoft.com/office/2006/metadata/contentType"/>
@@ -12543,4 +12622,28 @@
     <ds:schemaRef ds:uri="http://schemas.microsoft.com/internal/obd"/>
   </ds:schemaRefs>
 </ds:datastoreItem>
+</file>
+
+<file path=customXml/itemProps2.xml><?xml version="1.0" encoding="utf-8"?>
+<ds:datastoreItem xmlns:ds="http://schemas.openxmlformats.org/officeDocument/2006/customXml" ds:itemID="{87F52C54-E7F0-4533-A258-2B00DF9E8BD3}">
+  <ds:schemaRefs>
+    <ds:schemaRef ds:uri="http://schemas.microsoft.com/sharepoint/v3/contenttype/forms"/>
+  </ds:schemaRefs>
+</ds:datastoreItem>
+</file>
+
+<file path=customXml/itemProps3.xml><?xml version="1.0" encoding="utf-8"?>
+<ds:datastoreItem xmlns:ds="http://schemas.openxmlformats.org/officeDocument/2006/customXml" ds:itemID="{368386BB-D1FC-40A2-87C8-E729A7252F21}">
+  <ds:schemaRefs>
+    <ds:schemaRef ds:uri="http://purl.org/dc/elements/1.1/"/>
+    <ds:schemaRef ds:uri="http://purl.org/dc/terms/"/>
+    <ds:schemaRef ds:uri="bd3a200e-a112-4432-b134-79c9e3991b87"/>
+    <ds:schemaRef ds:uri="http://purl.org/dc/dcmitype/"/>
+    <ds:schemaRef ds:uri="http://schemas.openxmlformats.org/package/2006/metadata/core-properties"/>
+    <ds:schemaRef ds:uri="http://schemas.microsoft.com/office/2006/documentManagement/types"/>
+    <ds:schemaRef ds:uri="http://schemas.microsoft.com/office/2006/metadata/properties"/>
+    <ds:schemaRef ds:uri="http://schemas.microsoft.com/office/infopath/2007/PartnerControls"/>
+    <ds:schemaRef ds:uri="http://www.w3.org/XML/1998/namespace"/>
+  </ds:schemaRefs>
+</ds:datastoreItem>
 </file>